--- a/KnowledgeWalking.pptx
+++ b/KnowledgeWalking.pptx
@@ -262,7 +262,7 @@
           <a:p>
             <a:fld id="{2159173A-2E99-4758-BBDE-7BAF9B96B4EE}" type="datetimeFigureOut">
               <a:rPr lang="en-US" smtClean="0"/>
-              <a:t>12/22/2022</a:t>
+              <a:t>4/6/2023</a:t>
             </a:fld>
             <a:endParaRPr lang="en-US"/>
           </a:p>
@@ -460,7 +460,7 @@
           <a:p>
             <a:fld id="{2159173A-2E99-4758-BBDE-7BAF9B96B4EE}" type="datetimeFigureOut">
               <a:rPr lang="en-US" smtClean="0"/>
-              <a:t>12/22/2022</a:t>
+              <a:t>4/6/2023</a:t>
             </a:fld>
             <a:endParaRPr lang="en-US"/>
           </a:p>
@@ -668,7 +668,7 @@
           <a:p>
             <a:fld id="{2159173A-2E99-4758-BBDE-7BAF9B96B4EE}" type="datetimeFigureOut">
               <a:rPr lang="en-US" smtClean="0"/>
-              <a:t>12/22/2022</a:t>
+              <a:t>4/6/2023</a:t>
             </a:fld>
             <a:endParaRPr lang="en-US"/>
           </a:p>
@@ -866,7 +866,7 @@
           <a:p>
             <a:fld id="{2159173A-2E99-4758-BBDE-7BAF9B96B4EE}" type="datetimeFigureOut">
               <a:rPr lang="en-US" smtClean="0"/>
-              <a:t>12/22/2022</a:t>
+              <a:t>4/6/2023</a:t>
             </a:fld>
             <a:endParaRPr lang="en-US"/>
           </a:p>
@@ -1141,7 +1141,7 @@
           <a:p>
             <a:fld id="{2159173A-2E99-4758-BBDE-7BAF9B96B4EE}" type="datetimeFigureOut">
               <a:rPr lang="en-US" smtClean="0"/>
-              <a:t>12/22/2022</a:t>
+              <a:t>4/6/2023</a:t>
             </a:fld>
             <a:endParaRPr lang="en-US"/>
           </a:p>
@@ -1406,7 +1406,7 @@
           <a:p>
             <a:fld id="{2159173A-2E99-4758-BBDE-7BAF9B96B4EE}" type="datetimeFigureOut">
               <a:rPr lang="en-US" smtClean="0"/>
-              <a:t>12/22/2022</a:t>
+              <a:t>4/6/2023</a:t>
             </a:fld>
             <a:endParaRPr lang="en-US"/>
           </a:p>
@@ -1818,7 +1818,7 @@
           <a:p>
             <a:fld id="{2159173A-2E99-4758-BBDE-7BAF9B96B4EE}" type="datetimeFigureOut">
               <a:rPr lang="en-US" smtClean="0"/>
-              <a:t>12/22/2022</a:t>
+              <a:t>4/6/2023</a:t>
             </a:fld>
             <a:endParaRPr lang="en-US"/>
           </a:p>
@@ -1959,7 +1959,7 @@
           <a:p>
             <a:fld id="{2159173A-2E99-4758-BBDE-7BAF9B96B4EE}" type="datetimeFigureOut">
               <a:rPr lang="en-US" smtClean="0"/>
-              <a:t>12/22/2022</a:t>
+              <a:t>4/6/2023</a:t>
             </a:fld>
             <a:endParaRPr lang="en-US"/>
           </a:p>
@@ -2072,7 +2072,7 @@
           <a:p>
             <a:fld id="{2159173A-2E99-4758-BBDE-7BAF9B96B4EE}" type="datetimeFigureOut">
               <a:rPr lang="en-US" smtClean="0"/>
-              <a:t>12/22/2022</a:t>
+              <a:t>4/6/2023</a:t>
             </a:fld>
             <a:endParaRPr lang="en-US"/>
           </a:p>
@@ -2383,7 +2383,7 @@
           <a:p>
             <a:fld id="{2159173A-2E99-4758-BBDE-7BAF9B96B4EE}" type="datetimeFigureOut">
               <a:rPr lang="en-US" smtClean="0"/>
-              <a:t>12/22/2022</a:t>
+              <a:t>4/6/2023</a:t>
             </a:fld>
             <a:endParaRPr lang="en-US"/>
           </a:p>
@@ -2671,7 +2671,7 @@
           <a:p>
             <a:fld id="{2159173A-2E99-4758-BBDE-7BAF9B96B4EE}" type="datetimeFigureOut">
               <a:rPr lang="en-US" smtClean="0"/>
-              <a:t>12/22/2022</a:t>
+              <a:t>4/6/2023</a:t>
             </a:fld>
             <a:endParaRPr lang="en-US"/>
           </a:p>
@@ -2912,7 +2912,7 @@
           <a:p>
             <a:fld id="{2159173A-2E99-4758-BBDE-7BAF9B96B4EE}" type="datetimeFigureOut">
               <a:rPr lang="en-US" smtClean="0"/>
-              <a:t>12/22/2022</a:t>
+              <a:t>4/6/2023</a:t>
             </a:fld>
             <a:endParaRPr lang="en-US"/>
           </a:p>
@@ -3739,8 +3739,8 @@
           </a:prstGeom>
         </p:spPr>
       </p:pic>
-      <mc:AlternateContent xmlns:mc="http://schemas.openxmlformats.org/markup-compatibility/2006">
-        <mc:Choice xmlns:a14="http://schemas.microsoft.com/office/drawing/2010/main" Requires="a14">
+      <mc:AlternateContent xmlns:mc="http://schemas.openxmlformats.org/markup-compatibility/2006" xmlns:a14="http://schemas.microsoft.com/office/drawing/2010/main">
+        <mc:Choice Requires="a14">
           <p:sp>
             <p:nvSpPr>
               <p:cNvPr id="10" name="TextBox 9">
@@ -4392,7 +4392,7 @@
             </p:txBody>
           </p:sp>
         </mc:Choice>
-        <mc:Fallback>
+        <mc:Fallback xmlns="">
           <p:sp>
             <p:nvSpPr>
               <p:cNvPr id="10" name="TextBox 9">
@@ -4832,7 +4832,7 @@
         <p:spPr>
           <a:xfrm>
             <a:off x="1120291" y="314893"/>
-            <a:ext cx="9810120" cy="646331"/>
+            <a:ext cx="9810120" cy="861774"/>
           </a:xfrm>
           <a:prstGeom prst="rect">
             <a:avLst/>
@@ -4845,6 +4845,7 @@
           </a:bodyPr>
           <a:lstStyle/>
           <a:p>
+            <a:pPr algn="ctr"/>
             <a:r>
               <a:rPr lang="es-ES" sz="3600" dirty="0" err="1"/>
               <a:t>Let’s</a:t>
@@ -4882,6 +4883,142 @@
               <a:t>example</a:t>
             </a:r>
             <a:endParaRPr lang="es-ES" sz="3600" dirty="0"/>
+          </a:p>
+          <a:p>
+            <a:pPr algn="ctr"/>
+            <a:r>
+              <a:rPr lang="es-ES" sz="1400" dirty="0" err="1"/>
+              <a:t>We</a:t>
+            </a:r>
+            <a:r>
+              <a:rPr lang="es-ES" sz="1400" dirty="0"/>
+              <a:t> </a:t>
+            </a:r>
+            <a:r>
+              <a:rPr lang="es-ES" sz="1400" dirty="0" err="1"/>
+              <a:t>want</a:t>
+            </a:r>
+            <a:r>
+              <a:rPr lang="es-ES" sz="1400" dirty="0"/>
+              <a:t> </a:t>
+            </a:r>
+            <a:r>
+              <a:rPr lang="es-ES" sz="1400" dirty="0" err="1"/>
+              <a:t>to</a:t>
+            </a:r>
+            <a:r>
+              <a:rPr lang="es-ES" sz="1400" dirty="0"/>
+              <a:t> </a:t>
+            </a:r>
+            <a:r>
+              <a:rPr lang="es-ES" sz="1400" dirty="0" err="1"/>
+              <a:t>assign</a:t>
+            </a:r>
+            <a:r>
+              <a:rPr lang="es-ES" sz="1400" dirty="0"/>
+              <a:t> a </a:t>
+            </a:r>
+            <a:r>
+              <a:rPr lang="es-ES" sz="1400" dirty="0" err="1"/>
+              <a:t>weight</a:t>
+            </a:r>
+            <a:r>
+              <a:rPr lang="es-ES" sz="1400" dirty="0"/>
+              <a:t> w in </a:t>
+            </a:r>
+            <a:r>
+              <a:rPr lang="es-ES" sz="1400" dirty="0" err="1"/>
+              <a:t>order</a:t>
+            </a:r>
+            <a:r>
+              <a:rPr lang="es-ES" sz="1400" dirty="0"/>
+              <a:t> </a:t>
+            </a:r>
+            <a:r>
+              <a:rPr lang="es-ES" sz="1400" dirty="0" err="1"/>
+              <a:t>to</a:t>
+            </a:r>
+            <a:r>
+              <a:rPr lang="es-ES" sz="1400" dirty="0"/>
+              <a:t> </a:t>
+            </a:r>
+            <a:r>
+              <a:rPr lang="es-ES" sz="1400" dirty="0" err="1"/>
+              <a:t>weight</a:t>
+            </a:r>
+            <a:r>
+              <a:rPr lang="es-ES" sz="1400" dirty="0"/>
+              <a:t> </a:t>
+            </a:r>
+            <a:r>
+              <a:rPr lang="es-ES" sz="1400" dirty="0" err="1"/>
+              <a:t>the</a:t>
+            </a:r>
+            <a:r>
+              <a:rPr lang="es-ES" sz="1400" dirty="0"/>
+              <a:t> </a:t>
+            </a:r>
+            <a:r>
+              <a:rPr lang="es-ES" sz="1400" dirty="0" err="1"/>
+              <a:t>jump</a:t>
+            </a:r>
+            <a:r>
+              <a:rPr lang="es-ES" sz="1400" dirty="0"/>
+              <a:t> </a:t>
+            </a:r>
+            <a:r>
+              <a:rPr lang="es-ES" sz="1400" dirty="0" err="1"/>
+              <a:t>from</a:t>
+            </a:r>
+            <a:r>
+              <a:rPr lang="es-ES" sz="1400" dirty="0"/>
+              <a:t> </a:t>
+            </a:r>
+            <a:r>
+              <a:rPr lang="es-ES" sz="1400" dirty="0" err="1"/>
+              <a:t>starting</a:t>
+            </a:r>
+            <a:r>
+              <a:rPr lang="es-ES" sz="1400" dirty="0"/>
+              <a:t> </a:t>
+            </a:r>
+            <a:r>
+              <a:rPr lang="es-ES" sz="1400" dirty="0" err="1"/>
+              <a:t>node</a:t>
+            </a:r>
+            <a:r>
+              <a:rPr lang="es-ES" sz="1400" dirty="0"/>
+              <a:t> </a:t>
+            </a:r>
+            <a:r>
+              <a:rPr lang="es-ES" sz="1400" dirty="0" err="1"/>
+              <a:t>to</a:t>
+            </a:r>
+            <a:r>
+              <a:rPr lang="es-ES" sz="1400" dirty="0"/>
+              <a:t> “</a:t>
+            </a:r>
+            <a:r>
+              <a:rPr lang="es-ES" sz="1400" dirty="0" err="1"/>
+              <a:t>function</a:t>
+            </a:r>
+            <a:r>
+              <a:rPr lang="es-ES" sz="1400" dirty="0"/>
+              <a:t>” </a:t>
+            </a:r>
+            <a:r>
+              <a:rPr lang="es-ES" sz="1400" dirty="0" err="1"/>
+              <a:t>node</a:t>
+            </a:r>
+            <a:r>
+              <a:rPr lang="es-ES" sz="1400" dirty="0"/>
+              <a:t> </a:t>
+            </a:r>
+            <a:r>
+              <a:rPr lang="es-ES" sz="1400"/>
+              <a:t>type</a:t>
+            </a:r>
+            <a:endParaRPr lang="es-ES" sz="1400" dirty="0"/>
           </a:p>
         </p:txBody>
       </p:sp>
